--- a/Template-99.pptx
+++ b/Template-99.pptx
@@ -131,10 +131,33 @@
   <pc:docChgLst>
     <pc:chgData name="Daniel Armando Aguirre" userId="ca67ef6c-5839-4ec8-a988-1b3d44b82dea" providerId="ADAL" clId="{13DDB7C6-AAA9-4FAF-B683-A3C4B3A97A57}"/>
     <pc:docChg chg="undo custSel modSld">
-      <pc:chgData name="Daniel Armando Aguirre" userId="ca67ef6c-5839-4ec8-a988-1b3d44b82dea" providerId="ADAL" clId="{13DDB7C6-AAA9-4FAF-B683-A3C4B3A97A57}" dt="2022-06-14T17:27:35.438" v="272" actId="20577"/>
+      <pc:chgData name="Daniel Armando Aguirre" userId="ca67ef6c-5839-4ec8-a988-1b3d44b82dea" providerId="ADAL" clId="{13DDB7C6-AAA9-4FAF-B683-A3C4B3A97A57}" dt="2022-06-16T16:03:29.569" v="274" actId="790"/>
       <pc:docMkLst>
         <pc:docMk/>
       </pc:docMkLst>
+      <pc:sldChg chg="modSp mod">
+        <pc:chgData name="Daniel Armando Aguirre" userId="ca67ef6c-5839-4ec8-a988-1b3d44b82dea" providerId="ADAL" clId="{13DDB7C6-AAA9-4FAF-B683-A3C4B3A97A57}" dt="2022-06-16T16:03:29.569" v="274" actId="790"/>
+        <pc:sldMkLst>
+          <pc:docMk/>
+          <pc:sldMk cId="1505207417" sldId="1053"/>
+        </pc:sldMkLst>
+        <pc:spChg chg="mod">
+          <ac:chgData name="Daniel Armando Aguirre" userId="ca67ef6c-5839-4ec8-a988-1b3d44b82dea" providerId="ADAL" clId="{13DDB7C6-AAA9-4FAF-B683-A3C4B3A97A57}" dt="2022-06-16T16:03:29.569" v="274" actId="790"/>
+          <ac:spMkLst>
+            <pc:docMk/>
+            <pc:sldMk cId="1505207417" sldId="1053"/>
+            <ac:spMk id="3" creationId="{EAC8C007-7C86-3D49-881A-08F298C87F6D}"/>
+          </ac:spMkLst>
+        </pc:spChg>
+        <pc:spChg chg="mod">
+          <ac:chgData name="Daniel Armando Aguirre" userId="ca67ef6c-5839-4ec8-a988-1b3d44b82dea" providerId="ADAL" clId="{13DDB7C6-AAA9-4FAF-B683-A3C4B3A97A57}" dt="2022-06-16T16:03:16.756" v="273" actId="790"/>
+          <ac:spMkLst>
+            <pc:docMk/>
+            <pc:sldMk cId="1505207417" sldId="1053"/>
+            <ac:spMk id="4" creationId="{2CFC229D-F444-C047-9FF7-D09C344A7861}"/>
+          </ac:spMkLst>
+        </pc:spChg>
+      </pc:sldChg>
       <pc:sldChg chg="addSp delSp modSp mod">
         <pc:chgData name="Daniel Armando Aguirre" userId="ca67ef6c-5839-4ec8-a988-1b3d44b82dea" providerId="ADAL" clId="{13DDB7C6-AAA9-4FAF-B683-A3C4B3A97A57}" dt="2022-06-14T17:24:33.951" v="256"/>
         <pc:sldMkLst>
@@ -839,7 +862,7 @@
           <a:p>
             <a:fld id="{4D107985-61CA-4B35-9A28-FA0FC338C542}" type="datetimeFigureOut">
               <a:rPr lang="en-US" smtClean="0"/>
-              <a:t>6/14/2022</a:t>
+              <a:t>6/16/2022</a:t>
             </a:fld>
             <a:endParaRPr lang="en-US"/>
           </a:p>
@@ -8794,7 +8817,7 @@
           <a:lstStyle/>
           <a:p>
             <a:r>
-              <a:rPr lang="es-MX" dirty="0">
+              <a:rPr lang="en-US">
                 <a:latin typeface="Arrow Display" panose="020B0504020209020203" pitchFamily="34" charset="0"/>
                 <a:cs typeface="Arrow Display" panose="020B0504020209020203" pitchFamily="34" charset="0"/>
               </a:rPr>
@@ -8863,7 +8886,7 @@
           <a:lstStyle/>
           <a:p>
             <a:r>
-              <a:rPr lang="es-MX" dirty="0" err="1"/>
+              <a:rPr lang="en-US" dirty="0" err="1"/>
               <a:t>PartNumber</a:t>
             </a:r>
             <a:endParaRPr lang="en-US" dirty="0"/>

--- a/Template-99.pptx
+++ b/Template-99.pptx
@@ -121,7 +121,7 @@
 <file path=ppt/revisionInfo.xml><?xml version="1.0" encoding="utf-8"?>
 <p1510:revInfo xmlns:a="http://schemas.openxmlformats.org/drawingml/2006/main" xmlns:r="http://schemas.openxmlformats.org/officeDocument/2006/relationships" xmlns:p1510="http://schemas.microsoft.com/office/powerpoint/2015/10/main">
   <p1510:revLst>
-    <p1510:client id="{13DDB7C6-AAA9-4FAF-B683-A3C4B3A97A57}" v="7" dt="2022-06-14T17:24:33.951"/>
+    <p1510:client id="{13DDB7C6-AAA9-4FAF-B683-A3C4B3A97A57}" v="16" dt="2022-06-16T18:41:40.649"/>
   </p1510:revLst>
 </p1510:revInfo>
 </file>
@@ -829,7 +829,7 @@
             </a:lvl1pPr>
           </a:lstStyle>
           <a:p>
-            <a:endParaRPr lang="en-US"/>
+            <a:endParaRPr lang="en-US" dirty="0"/>
           </a:p>
         </p:txBody>
       </p:sp>
@@ -864,7 +864,7 @@
               <a:rPr lang="en-US" smtClean="0"/>
               <a:t>6/16/2022</a:t>
             </a:fld>
-            <a:endParaRPr lang="en-US"/>
+            <a:endParaRPr lang="en-US" dirty="0"/>
           </a:p>
         </p:txBody>
       </p:sp>
@@ -897,7 +897,7 @@
           <a:bodyPr vert="horz" lIns="91440" tIns="45720" rIns="91440" bIns="45720" rtlCol="0" anchor="ctr"/>
           <a:lstStyle/>
           <a:p>
-            <a:endParaRPr lang="en-US"/>
+            <a:endParaRPr lang="en-US" dirty="0"/>
           </a:p>
         </p:txBody>
       </p:sp>
@@ -987,7 +987,7 @@
             </a:lvl1pPr>
           </a:lstStyle>
           <a:p>
-            <a:endParaRPr lang="en-US"/>
+            <a:endParaRPr lang="en-US" dirty="0"/>
           </a:p>
         </p:txBody>
       </p:sp>
@@ -1022,7 +1022,7 @@
               <a:rPr lang="en-US" smtClean="0"/>
               <a:t>‹#›</a:t>
             </a:fld>
-            <a:endParaRPr lang="en-US"/>
+            <a:endParaRPr lang="en-US" dirty="0"/>
           </a:p>
         </p:txBody>
       </p:sp>
@@ -3017,7 +3017,7 @@
             <a:fld id="{5467F629-5278-4A74-9311-0F281D4907E0}" type="slidenum">
               <a:t>‹#›</a:t>
             </a:fld>
-            <a:endParaRPr/>
+            <a:endParaRPr dirty="0"/>
           </a:p>
         </p:txBody>
       </p:sp>
@@ -3140,7 +3140,7 @@
             <a:fld id="{D735DF1C-B3C5-46F7-A5E7-63D901C8C992}" type="slidenum">
               <a:t>‹#›</a:t>
             </a:fld>
-            <a:endParaRPr/>
+            <a:endParaRPr dirty="0"/>
           </a:p>
         </p:txBody>
       </p:sp>
@@ -3260,7 +3260,7 @@
             <a:fld id="{AA14A1F1-1206-48A7-9057-7A1DB5C788B5}" type="slidenum">
               <a:t>‹#›</a:t>
             </a:fld>
-            <a:endParaRPr/>
+            <a:endParaRPr dirty="0"/>
           </a:p>
         </p:txBody>
       </p:sp>
@@ -3415,7 +3415,7 @@
             <a:fld id="{AF06C51D-D0EB-4C68-8D75-4022D29550CE}" type="slidenum">
               <a:t>‹#›</a:t>
             </a:fld>
-            <a:endParaRPr/>
+            <a:endParaRPr dirty="0"/>
           </a:p>
         </p:txBody>
       </p:sp>
@@ -3500,7 +3500,7 @@
             <a:fld id="{64E5D8FE-CA1C-4D39-AF5C-52259BC298D9}" type="slidenum">
               <a:t>‹#›</a:t>
             </a:fld>
-            <a:endParaRPr/>
+            <a:endParaRPr dirty="0"/>
           </a:p>
         </p:txBody>
       </p:sp>
@@ -3585,7 +3585,7 @@
             <a:fld id="{618DDB1E-40EA-4885-81BE-B46791C720E3}" type="slidenum">
               <a:t>‹#›</a:t>
             </a:fld>
-            <a:endParaRPr/>
+            <a:endParaRPr dirty="0"/>
           </a:p>
         </p:txBody>
       </p:sp>
@@ -3876,7 +3876,7 @@
             <a:fld id="{03325DAE-8213-48AA-A352-18D0DA2A4BBD}" type="slidenum">
               <a:t>‹#›</a:t>
             </a:fld>
-            <a:endParaRPr/>
+            <a:endParaRPr dirty="0"/>
           </a:p>
         </p:txBody>
       </p:sp>
@@ -4066,7 +4066,7 @@
             <a:fld id="{789CB4CF-8D17-462A-82F6-FEFDF6BB42D6}" type="slidenum">
               <a:t>‹#›</a:t>
             </a:fld>
-            <a:endParaRPr/>
+            <a:endParaRPr dirty="0"/>
           </a:p>
         </p:txBody>
       </p:sp>
@@ -4256,7 +4256,7 @@
             <a:fld id="{D148206B-5A44-4C9E-87B8-48E1B3D2E2BA}" type="slidenum">
               <a:t>‹#›</a:t>
             </a:fld>
-            <a:endParaRPr/>
+            <a:endParaRPr dirty="0"/>
           </a:p>
         </p:txBody>
       </p:sp>
@@ -4411,7 +4411,7 @@
             <a:fld id="{729E183B-2E72-4901-B0C3-8B3B8A8BCB12}" type="slidenum">
               <a:t>‹#›</a:t>
             </a:fld>
-            <a:endParaRPr/>
+            <a:endParaRPr dirty="0"/>
           </a:p>
         </p:txBody>
       </p:sp>
@@ -4636,7 +4636,7 @@
             <a:fld id="{4B70E2E7-DE89-4772-8FF8-51D1DC5930A4}" type="slidenum">
               <a:t>‹#›</a:t>
             </a:fld>
-            <a:endParaRPr/>
+            <a:endParaRPr dirty="0"/>
           </a:p>
         </p:txBody>
       </p:sp>
@@ -4931,7 +4931,7 @@
             <a:fld id="{05744705-58B3-4491-A3C3-F50954A97EA7}" type="slidenum">
               <a:t>‹#›</a:t>
             </a:fld>
-            <a:endParaRPr/>
+            <a:endParaRPr dirty="0"/>
           </a:p>
         </p:txBody>
       </p:sp>
@@ -7326,7 +7326,7 @@
               </a:rPr>
               <a:t>‹#›</a:t>
             </a:fld>
-            <a:endParaRPr lang="en-US" sz="1200" b="0" strike="noStrike" spc="-1">
+            <a:endParaRPr lang="en-US" sz="1200" b="0" strike="noStrike" spc="-1" dirty="0">
               <a:latin typeface="Times New Roman"/>
             </a:endParaRPr>
           </a:p>
@@ -7897,10 +7897,9 @@
           <a:p>
             <a:pPr algn="ctr"/>
             <a:r>
-              <a:rPr lang="en-US" dirty="0" err="1"/>
+              <a:rPr lang="en-US" dirty="0"/>
               <a:t>BackgroundImage</a:t>
             </a:r>
-            <a:endParaRPr lang="en-US" dirty="0"/>
           </a:p>
         </p:txBody>
       </p:sp>
@@ -8817,7 +8816,7 @@
           <a:lstStyle/>
           <a:p>
             <a:r>
-              <a:rPr lang="en-US">
+              <a:rPr lang="en-US" dirty="0">
                 <a:latin typeface="Arrow Display" panose="020B0504020209020203" pitchFamily="34" charset="0"/>
                 <a:cs typeface="Arrow Display" panose="020B0504020209020203" pitchFamily="34" charset="0"/>
               </a:rPr>
@@ -8886,10 +8885,9 @@
           <a:lstStyle/>
           <a:p>
             <a:r>
-              <a:rPr lang="en-US" dirty="0" err="1"/>
+              <a:rPr lang="en-US" dirty="0"/>
               <a:t>PartNumber</a:t>
             </a:r>
-            <a:endParaRPr lang="en-US" dirty="0"/>
           </a:p>
         </p:txBody>
       </p:sp>
@@ -8981,10 +8979,9 @@
           <a:lstStyle/>
           <a:p>
             <a:r>
-              <a:rPr lang="en-US" dirty="0" err="1"/>
+              <a:rPr lang="en-US" dirty="0"/>
               <a:t>GeneralDescriptionText</a:t>
             </a:r>
-            <a:endParaRPr lang="en-US" dirty="0"/>
           </a:p>
         </p:txBody>
       </p:sp>
@@ -9110,16 +9107,12 @@
           <a:p>
             <a:pPr algn="r"/>
             <a:r>
-              <a:rPr lang="en-US" b="0" i="0" dirty="0" err="1">
+              <a:rPr lang="en-US" b="0" i="0" dirty="0">
                 <a:latin typeface="Arrow Display" panose="020B0504020209020203" pitchFamily="34" charset="0"/>
                 <a:cs typeface="Arrow Display" panose="020B0504020209020203" pitchFamily="34" charset="0"/>
               </a:rPr>
               <a:t>OverviewText</a:t>
             </a:r>
-            <a:endParaRPr lang="en-US" b="0" i="0" dirty="0">
-              <a:latin typeface="Arrow Display" panose="020B0504020209020203" pitchFamily="34" charset="0"/>
-              <a:cs typeface="Arrow Display" panose="020B0504020209020203" pitchFamily="34" charset="0"/>
-            </a:endParaRPr>
           </a:p>
           <a:p>
             <a:pPr algn="r"/>
@@ -9253,7 +9246,7 @@
           <a:lstStyle/>
           <a:p>
             <a:r>
-              <a:rPr lang="en-US" b="0" i="0" dirty="0" err="1">
+              <a:rPr lang="en-US" b="0" i="0" dirty="0">
                 <a:solidFill>
                   <a:schemeClr val="bg1"/>
                 </a:solidFill>
@@ -9262,13 +9255,6 @@
               </a:rPr>
               <a:t>AdvantagesText</a:t>
             </a:r>
-            <a:endParaRPr lang="en-US" b="0" i="0" dirty="0">
-              <a:solidFill>
-                <a:schemeClr val="bg1"/>
-              </a:solidFill>
-              <a:latin typeface="Arrow Display" panose="020B0504020209020203" pitchFamily="34" charset="0"/>
-              <a:cs typeface="Arrow Display" panose="020B0504020209020203" pitchFamily="34" charset="0"/>
-            </a:endParaRPr>
           </a:p>
           <a:p>
             <a:endParaRPr lang="en-US" dirty="0">
@@ -9482,16 +9468,12 @@
           <a:p>
             <a:pPr algn="l"/>
             <a:r>
-              <a:rPr lang="en-US" b="0" i="0" dirty="0" err="1">
+              <a:rPr lang="en-US" b="0" i="0" dirty="0">
                 <a:latin typeface="Arrow Display" panose="020B0504020209020203" pitchFamily="34" charset="0"/>
                 <a:cs typeface="Arrow Display" panose="020B0504020209020203" pitchFamily="34" charset="0"/>
               </a:rPr>
               <a:t>MainFuncText</a:t>
             </a:r>
-            <a:endParaRPr lang="en-US" b="0" i="0" dirty="0">
-              <a:latin typeface="Arrow Display" panose="020B0504020209020203" pitchFamily="34" charset="0"/>
-              <a:cs typeface="Arrow Display" panose="020B0504020209020203" pitchFamily="34" charset="0"/>
-            </a:endParaRPr>
           </a:p>
           <a:p>
             <a:pPr algn="l"/>
@@ -9576,7 +9558,7 @@
           <a:p>
             <a:pPr algn="ctr"/>
             <a:r>
-              <a:rPr lang="es-MX" dirty="0" err="1"/>
+              <a:rPr lang="es-MX" dirty="0"/>
               <a:t>LogoImage</a:t>
             </a:r>
             <a:endParaRPr lang="en-US" dirty="0"/>
@@ -9788,7 +9770,7 @@
           <a:lstStyle/>
           <a:p>
             <a:r>
-              <a:rPr lang="en-US" b="0" i="0" dirty="0" err="1">
+              <a:rPr lang="en-US" b="0" i="0" dirty="0">
                 <a:solidFill>
                   <a:schemeClr val="tx2"/>
                 </a:solidFill>
@@ -9797,13 +9779,6 @@
               </a:rPr>
               <a:t>ApplicationText</a:t>
             </a:r>
-            <a:endParaRPr lang="en-US" b="0" i="0" dirty="0">
-              <a:solidFill>
-                <a:schemeClr val="tx2"/>
-              </a:solidFill>
-              <a:latin typeface="Arrow Display" panose="020B0504020209020203" pitchFamily="34" charset="0"/>
-              <a:cs typeface="Arrow Display" panose="020B0504020209020203" pitchFamily="34" charset="0"/>
-            </a:endParaRPr>
           </a:p>
           <a:p>
             <a:endParaRPr lang="en-US" dirty="0">
@@ -10354,7 +10329,7 @@
           <a:p>
             <a:pPr algn="ctr"/>
             <a:r>
-              <a:rPr lang="es-MX" dirty="0" err="1"/>
+              <a:rPr lang="es-MX" dirty="0"/>
               <a:t>LogoImage</a:t>
             </a:r>
             <a:endParaRPr lang="en-US" dirty="0"/>
@@ -10443,10 +10418,9 @@
           <a:p>
             <a:pPr algn="ctr"/>
             <a:r>
-              <a:rPr lang="en-US" dirty="0" err="1"/>
+              <a:rPr lang="en-US" dirty="0"/>
               <a:t>OPNTable</a:t>
             </a:r>
-            <a:endParaRPr lang="en-US" dirty="0"/>
           </a:p>
         </p:txBody>
       </p:sp>

--- a/Template-99.pptx
+++ b/Template-99.pptx
@@ -121,7 +121,7 @@
 <file path=ppt/revisionInfo.xml><?xml version="1.0" encoding="utf-8"?>
 <p1510:revInfo xmlns:a="http://schemas.openxmlformats.org/drawingml/2006/main" xmlns:r="http://schemas.openxmlformats.org/officeDocument/2006/relationships" xmlns:p1510="http://schemas.microsoft.com/office/powerpoint/2015/10/main">
   <p1510:revLst>
-    <p1510:client id="{13DDB7C6-AAA9-4FAF-B683-A3C4B3A97A57}" v="16" dt="2022-06-16T18:41:40.649"/>
+    <p1510:client id="{13DDB7C6-AAA9-4FAF-B683-A3C4B3A97A57}" v="23" dt="2022-07-08T15:41:38.491"/>
   </p1510:revLst>
 </p1510:revInfo>
 </file>
@@ -131,45 +131,133 @@
   <pc:docChgLst>
     <pc:chgData name="Daniel Armando Aguirre" userId="ca67ef6c-5839-4ec8-a988-1b3d44b82dea" providerId="ADAL" clId="{13DDB7C6-AAA9-4FAF-B683-A3C4B3A97A57}"/>
     <pc:docChg chg="undo custSel modSld">
-      <pc:chgData name="Daniel Armando Aguirre" userId="ca67ef6c-5839-4ec8-a988-1b3d44b82dea" providerId="ADAL" clId="{13DDB7C6-AAA9-4FAF-B683-A3C4B3A97A57}" dt="2022-06-16T16:03:29.569" v="274" actId="790"/>
+      <pc:chgData name="Daniel Armando Aguirre" userId="ca67ef6c-5839-4ec8-a988-1b3d44b82dea" providerId="ADAL" clId="{13DDB7C6-AAA9-4FAF-B683-A3C4B3A97A57}" dt="2022-07-08T19:11:16.879" v="434" actId="1076"/>
       <pc:docMkLst>
         <pc:docMk/>
       </pc:docMkLst>
-      <pc:sldChg chg="modSp mod">
-        <pc:chgData name="Daniel Armando Aguirre" userId="ca67ef6c-5839-4ec8-a988-1b3d44b82dea" providerId="ADAL" clId="{13DDB7C6-AAA9-4FAF-B683-A3C4B3A97A57}" dt="2022-06-16T16:03:29.569" v="274" actId="790"/>
+      <pc:sldChg chg="addSp delSp modSp mod">
+        <pc:chgData name="Daniel Armando Aguirre" userId="ca67ef6c-5839-4ec8-a988-1b3d44b82dea" providerId="ADAL" clId="{13DDB7C6-AAA9-4FAF-B683-A3C4B3A97A57}" dt="2022-07-08T15:45:37.477" v="427" actId="403"/>
         <pc:sldMkLst>
           <pc:docMk/>
           <pc:sldMk cId="1505207417" sldId="1053"/>
         </pc:sldMkLst>
-        <pc:spChg chg="mod">
-          <ac:chgData name="Daniel Armando Aguirre" userId="ca67ef6c-5839-4ec8-a988-1b3d44b82dea" providerId="ADAL" clId="{13DDB7C6-AAA9-4FAF-B683-A3C4B3A97A57}" dt="2022-06-16T16:03:29.569" v="274" actId="790"/>
+        <pc:spChg chg="del mod">
+          <ac:chgData name="Daniel Armando Aguirre" userId="ca67ef6c-5839-4ec8-a988-1b3d44b82dea" providerId="ADAL" clId="{13DDB7C6-AAA9-4FAF-B683-A3C4B3A97A57}" dt="2022-07-08T15:41:28.957" v="408" actId="478"/>
+          <ac:spMkLst>
+            <pc:docMk/>
+            <pc:sldMk cId="1505207417" sldId="1053"/>
+            <ac:spMk id="2" creationId="{A5D355B0-B72D-8142-9782-6094AEDD0F42}"/>
+          </ac:spMkLst>
+        </pc:spChg>
+        <pc:spChg chg="add del mod">
+          <ac:chgData name="Daniel Armando Aguirre" userId="ca67ef6c-5839-4ec8-a988-1b3d44b82dea" providerId="ADAL" clId="{13DDB7C6-AAA9-4FAF-B683-A3C4B3A97A57}" dt="2022-07-07T15:40:30.634" v="360" actId="478"/>
           <ac:spMkLst>
             <pc:docMk/>
             <pc:sldMk cId="1505207417" sldId="1053"/>
             <ac:spMk id="3" creationId="{EAC8C007-7C86-3D49-881A-08F298C87F6D}"/>
           </ac:spMkLst>
         </pc:spChg>
-        <pc:spChg chg="mod">
-          <ac:chgData name="Daniel Armando Aguirre" userId="ca67ef6c-5839-4ec8-a988-1b3d44b82dea" providerId="ADAL" clId="{13DDB7C6-AAA9-4FAF-B683-A3C4B3A97A57}" dt="2022-06-16T16:03:16.756" v="273" actId="790"/>
+        <pc:spChg chg="add del mod">
+          <ac:chgData name="Daniel Armando Aguirre" userId="ca67ef6c-5839-4ec8-a988-1b3d44b82dea" providerId="ADAL" clId="{13DDB7C6-AAA9-4FAF-B683-A3C4B3A97A57}" dt="2022-07-08T15:41:35.422" v="409" actId="478"/>
+          <ac:spMkLst>
+            <pc:docMk/>
+            <pc:sldMk cId="1505207417" sldId="1053"/>
+            <ac:spMk id="4" creationId="{0306C4E1-EA65-39E8-AC5F-B111623BBEB8}"/>
+          </ac:spMkLst>
+        </pc:spChg>
+        <pc:spChg chg="del mod">
+          <ac:chgData name="Daniel Armando Aguirre" userId="ca67ef6c-5839-4ec8-a988-1b3d44b82dea" providerId="ADAL" clId="{13DDB7C6-AAA9-4FAF-B683-A3C4B3A97A57}" dt="2022-07-08T15:40:35.630" v="381" actId="478"/>
           <ac:spMkLst>
             <pc:docMk/>
             <pc:sldMk cId="1505207417" sldId="1053"/>
             <ac:spMk id="4" creationId="{2CFC229D-F444-C047-9FF7-D09C344A7861}"/>
           </ac:spMkLst>
         </pc:spChg>
+        <pc:spChg chg="add del mod">
+          <ac:chgData name="Daniel Armando Aguirre" userId="ca67ef6c-5839-4ec8-a988-1b3d44b82dea" providerId="ADAL" clId="{13DDB7C6-AAA9-4FAF-B683-A3C4B3A97A57}" dt="2022-07-08T15:40:37.729" v="382" actId="478"/>
+          <ac:spMkLst>
+            <pc:docMk/>
+            <pc:sldMk cId="1505207417" sldId="1053"/>
+            <ac:spMk id="6" creationId="{B55AD2F3-568F-8D27-A5BE-26213C0D3F4D}"/>
+          </ac:spMkLst>
+        </pc:spChg>
+        <pc:spChg chg="add del mod">
+          <ac:chgData name="Daniel Armando Aguirre" userId="ca67ef6c-5839-4ec8-a988-1b3d44b82dea" providerId="ADAL" clId="{13DDB7C6-AAA9-4FAF-B683-A3C4B3A97A57}" dt="2022-07-07T15:40:25.502" v="359" actId="478"/>
+          <ac:spMkLst>
+            <pc:docMk/>
+            <pc:sldMk cId="1505207417" sldId="1053"/>
+            <ac:spMk id="7" creationId="{B83BF769-7B73-92D4-6AE4-E912553ACE3A}"/>
+          </ac:spMkLst>
+        </pc:spChg>
+        <pc:spChg chg="add del mod">
+          <ac:chgData name="Daniel Armando Aguirre" userId="ca67ef6c-5839-4ec8-a988-1b3d44b82dea" providerId="ADAL" clId="{13DDB7C6-AAA9-4FAF-B683-A3C4B3A97A57}" dt="2022-07-07T15:40:33.665" v="361" actId="478"/>
+          <ac:spMkLst>
+            <pc:docMk/>
+            <pc:sldMk cId="1505207417" sldId="1053"/>
+            <ac:spMk id="9" creationId="{BA7C5196-12D7-CB50-22B2-D7BC20CB5210}"/>
+          </ac:spMkLst>
+        </pc:spChg>
+        <pc:spChg chg="add del mod">
+          <ac:chgData name="Daniel Armando Aguirre" userId="ca67ef6c-5839-4ec8-a988-1b3d44b82dea" providerId="ADAL" clId="{13DDB7C6-AAA9-4FAF-B683-A3C4B3A97A57}" dt="2022-07-08T15:45:35.483" v="426" actId="403"/>
+          <ac:spMkLst>
+            <pc:docMk/>
+            <pc:sldMk cId="1505207417" sldId="1053"/>
+            <ac:spMk id="10" creationId="{6D386DBC-60B0-67F7-2218-CB267B689AE7}"/>
+          </ac:spMkLst>
+        </pc:spChg>
+        <pc:spChg chg="add mod">
+          <ac:chgData name="Daniel Armando Aguirre" userId="ca67ef6c-5839-4ec8-a988-1b3d44b82dea" providerId="ADAL" clId="{13DDB7C6-AAA9-4FAF-B683-A3C4B3A97A57}" dt="2022-07-08T15:45:37.477" v="427" actId="403"/>
+          <ac:spMkLst>
+            <pc:docMk/>
+            <pc:sldMk cId="1505207417" sldId="1053"/>
+            <ac:spMk id="11" creationId="{779D29F8-5924-B7C7-C181-64ADC4910DD7}"/>
+          </ac:spMkLst>
+        </pc:spChg>
+        <pc:spChg chg="add mod">
+          <ac:chgData name="Daniel Armando Aguirre" userId="ca67ef6c-5839-4ec8-a988-1b3d44b82dea" providerId="ADAL" clId="{13DDB7C6-AAA9-4FAF-B683-A3C4B3A97A57}" dt="2022-07-08T15:41:56.220" v="423" actId="14100"/>
+          <ac:spMkLst>
+            <pc:docMk/>
+            <pc:sldMk cId="1505207417" sldId="1053"/>
+            <ac:spMk id="12" creationId="{733D227B-5738-35CB-0320-6087E4199E6B}"/>
+          </ac:spMkLst>
+        </pc:spChg>
+        <pc:spChg chg="mod">
+          <ac:chgData name="Daniel Armando Aguirre" userId="ca67ef6c-5839-4ec8-a988-1b3d44b82dea" providerId="ADAL" clId="{13DDB7C6-AAA9-4FAF-B683-A3C4B3A97A57}" dt="2022-07-07T15:40:57.987" v="375" actId="1076"/>
+          <ac:spMkLst>
+            <pc:docMk/>
+            <pc:sldMk cId="1505207417" sldId="1053"/>
+            <ac:spMk id="16" creationId="{3FAFC1C8-0A54-2C42-AE36-B73539CD6487}"/>
+          </ac:spMkLst>
+        </pc:spChg>
       </pc:sldChg>
       <pc:sldChg chg="addSp delSp modSp mod">
-        <pc:chgData name="Daniel Armando Aguirre" userId="ca67ef6c-5839-4ec8-a988-1b3d44b82dea" providerId="ADAL" clId="{13DDB7C6-AAA9-4FAF-B683-A3C4B3A97A57}" dt="2022-06-14T17:24:33.951" v="256"/>
+        <pc:chgData name="Daniel Armando Aguirre" userId="ca67ef6c-5839-4ec8-a988-1b3d44b82dea" providerId="ADAL" clId="{13DDB7C6-AAA9-4FAF-B683-A3C4B3A97A57}" dt="2022-06-27T19:54:55.936" v="308" actId="113"/>
         <pc:sldMkLst>
           <pc:docMk/>
           <pc:sldMk cId="2730580130" sldId="1133"/>
         </pc:sldMkLst>
+        <pc:spChg chg="del mod">
+          <ac:chgData name="Daniel Armando Aguirre" userId="ca67ef6c-5839-4ec8-a988-1b3d44b82dea" providerId="ADAL" clId="{13DDB7C6-AAA9-4FAF-B683-A3C4B3A97A57}" dt="2022-06-27T19:54:12.594" v="289" actId="478"/>
+          <ac:spMkLst>
+            <pc:docMk/>
+            <pc:sldMk cId="2730580130" sldId="1133"/>
+            <ac:spMk id="3" creationId="{84F77A40-870F-544D-9413-A6B0ABDA448B}"/>
+          </ac:spMkLst>
+        </pc:spChg>
         <pc:spChg chg="del mod">
           <ac:chgData name="Daniel Armando Aguirre" userId="ca67ef6c-5839-4ec8-a988-1b3d44b82dea" providerId="ADAL" clId="{13DDB7C6-AAA9-4FAF-B683-A3C4B3A97A57}" dt="2022-06-14T17:24:33.635" v="255" actId="478"/>
           <ac:spMkLst>
             <pc:docMk/>
             <pc:sldMk cId="2730580130" sldId="1133"/>
             <ac:spMk id="6" creationId="{DCA1025E-F74C-5797-0B8B-70DFFAB411CE}"/>
+          </ac:spMkLst>
+        </pc:spChg>
+        <pc:spChg chg="add del mod">
+          <ac:chgData name="Daniel Armando Aguirre" userId="ca67ef6c-5839-4ec8-a988-1b3d44b82dea" providerId="ADAL" clId="{13DDB7C6-AAA9-4FAF-B683-A3C4B3A97A57}" dt="2022-06-27T19:54:14.830" v="290" actId="478"/>
+          <ac:spMkLst>
+            <pc:docMk/>
+            <pc:sldMk cId="2730580130" sldId="1133"/>
+            <ac:spMk id="7" creationId="{0AB25108-963E-C4C9-B293-7B99BCF89A8E}"/>
           </ac:spMkLst>
         </pc:spChg>
         <pc:spChg chg="mod">
@@ -186,6 +274,14 @@
             <pc:docMk/>
             <pc:sldMk cId="2730580130" sldId="1133"/>
             <ac:spMk id="9" creationId="{A0C108C8-C024-0830-2B4B-597D11BEAEF3}"/>
+          </ac:spMkLst>
+        </pc:spChg>
+        <pc:spChg chg="add mod">
+          <ac:chgData name="Daniel Armando Aguirre" userId="ca67ef6c-5839-4ec8-a988-1b3d44b82dea" providerId="ADAL" clId="{13DDB7C6-AAA9-4FAF-B683-A3C4B3A97A57}" dt="2022-06-27T19:54:55.936" v="308" actId="113"/>
+          <ac:spMkLst>
+            <pc:docMk/>
+            <pc:sldMk cId="2730580130" sldId="1133"/>
+            <ac:spMk id="11" creationId="{6A0EB799-5EB7-5A33-1A8C-D05166CEFABA}"/>
           </ac:spMkLst>
         </pc:spChg>
         <pc:spChg chg="del mod">
@@ -214,13 +310,13 @@
         </pc:spChg>
       </pc:sldChg>
       <pc:sldChg chg="addSp delSp modSp mod">
-        <pc:chgData name="Daniel Armando Aguirre" userId="ca67ef6c-5839-4ec8-a988-1b3d44b82dea" providerId="ADAL" clId="{13DDB7C6-AAA9-4FAF-B683-A3C4B3A97A57}" dt="2022-06-14T17:27:35.438" v="272" actId="20577"/>
+        <pc:chgData name="Daniel Armando Aguirre" userId="ca67ef6c-5839-4ec8-a988-1b3d44b82dea" providerId="ADAL" clId="{13DDB7C6-AAA9-4FAF-B683-A3C4B3A97A57}" dt="2022-07-08T19:11:16.879" v="434" actId="1076"/>
         <pc:sldMkLst>
           <pc:docMk/>
           <pc:sldMk cId="835137258" sldId="1138"/>
         </pc:sldMkLst>
-        <pc:spChg chg="mod">
-          <ac:chgData name="Daniel Armando Aguirre" userId="ca67ef6c-5839-4ec8-a988-1b3d44b82dea" providerId="ADAL" clId="{13DDB7C6-AAA9-4FAF-B683-A3C4B3A97A57}" dt="2022-06-02T15:41:43.853" v="3" actId="1076"/>
+        <pc:spChg chg="del mod">
+          <ac:chgData name="Daniel Armando Aguirre" userId="ca67ef6c-5839-4ec8-a988-1b3d44b82dea" providerId="ADAL" clId="{13DDB7C6-AAA9-4FAF-B683-A3C4B3A97A57}" dt="2022-06-27T19:54:18.043" v="291" actId="478"/>
           <ac:spMkLst>
             <pc:docMk/>
             <pc:sldMk cId="835137258" sldId="1138"/>
@@ -233,6 +329,14 @@
             <pc:docMk/>
             <pc:sldMk cId="835137258" sldId="1138"/>
             <ac:spMk id="5" creationId="{C1CBFD0B-595D-AFD9-A1B4-BB3299F7BA54}"/>
+          </ac:spMkLst>
+        </pc:spChg>
+        <pc:spChg chg="add del mod">
+          <ac:chgData name="Daniel Armando Aguirre" userId="ca67ef6c-5839-4ec8-a988-1b3d44b82dea" providerId="ADAL" clId="{13DDB7C6-AAA9-4FAF-B683-A3C4B3A97A57}" dt="2022-06-27T19:54:19.342" v="292" actId="478"/>
+          <ac:spMkLst>
+            <pc:docMk/>
+            <pc:sldMk cId="835137258" sldId="1138"/>
+            <ac:spMk id="6" creationId="{803D1ED4-6C7F-5EEF-0486-8740B6F0E148}"/>
           </ac:spMkLst>
         </pc:spChg>
         <pc:spChg chg="del">
@@ -252,7 +356,7 @@
           </ac:spMkLst>
         </pc:spChg>
         <pc:spChg chg="mod">
-          <ac:chgData name="Daniel Armando Aguirre" userId="ca67ef6c-5839-4ec8-a988-1b3d44b82dea" providerId="ADAL" clId="{13DDB7C6-AAA9-4FAF-B683-A3C4B3A97A57}" dt="2022-06-14T15:20:32.551" v="209" actId="20577"/>
+          <ac:chgData name="Daniel Armando Aguirre" userId="ca67ef6c-5839-4ec8-a988-1b3d44b82dea" providerId="ADAL" clId="{13DDB7C6-AAA9-4FAF-B683-A3C4B3A97A57}" dt="2022-07-08T19:11:16.879" v="434" actId="1076"/>
           <ac:spMkLst>
             <pc:docMk/>
             <pc:sldMk cId="835137258" sldId="1138"/>
@@ -273,6 +377,14 @@
             <pc:docMk/>
             <pc:sldMk cId="835137258" sldId="1138"/>
             <ac:spMk id="17" creationId="{7917FB2C-77BF-99D8-2B85-6DA6D614149B}"/>
+          </ac:spMkLst>
+        </pc:spChg>
+        <pc:spChg chg="add mod">
+          <ac:chgData name="Daniel Armando Aguirre" userId="ca67ef6c-5839-4ec8-a988-1b3d44b82dea" providerId="ADAL" clId="{13DDB7C6-AAA9-4FAF-B683-A3C4B3A97A57}" dt="2022-06-27T19:55:01.544" v="309"/>
+          <ac:spMkLst>
+            <pc:docMk/>
+            <pc:sldMk cId="835137258" sldId="1138"/>
+            <ac:spMk id="17" creationId="{E315749C-F4D4-E16B-F97F-43492C2F8DBB}"/>
           </ac:spMkLst>
         </pc:spChg>
         <pc:spChg chg="add mod">
@@ -297,6 +409,14 @@
             <pc:docMk/>
             <pc:sldMk cId="835137258" sldId="1138"/>
             <ac:spMk id="19" creationId="{68ABC136-E5A5-EFE0-7844-592D0D9C47DA}"/>
+          </ac:spMkLst>
+        </pc:spChg>
+        <pc:spChg chg="add mod">
+          <ac:chgData name="Daniel Armando Aguirre" userId="ca67ef6c-5839-4ec8-a988-1b3d44b82dea" providerId="ADAL" clId="{13DDB7C6-AAA9-4FAF-B683-A3C4B3A97A57}" dt="2022-07-08T19:11:14.023" v="433" actId="1076"/>
+          <ac:spMkLst>
+            <pc:docMk/>
+            <pc:sldMk cId="835137258" sldId="1138"/>
+            <ac:spMk id="19" creationId="{BAA30B93-611E-8A7B-7F1A-9EE04B9679DE}"/>
           </ac:spMkLst>
         </pc:spChg>
       </pc:sldChg>
@@ -862,7 +982,7 @@
           <a:p>
             <a:fld id="{4D107985-61CA-4B35-9A28-FA0FC338C542}" type="datetimeFigureOut">
               <a:rPr lang="en-US" smtClean="0"/>
-              <a:t>6/16/2022</a:t>
+              <a:t>7/8/2022</a:t>
             </a:fld>
             <a:endParaRPr lang="en-US" dirty="0"/>
           </a:p>
@@ -8791,103 +8911,133 @@
       </p:sp>
       <p:sp>
         <p:nvSpPr>
-          <p:cNvPr id="3" name="Subtitle 2">
+          <p:cNvPr id="10" name="TextBox 9">
             <a:extLst>
               <a:ext uri="{FF2B5EF4-FFF2-40B4-BE49-F238E27FC236}">
-                <a16:creationId xmlns:a16="http://schemas.microsoft.com/office/drawing/2014/main" id="{EAC8C007-7C86-3D49-881A-08F298C87F6D}"/>
+                <a16:creationId xmlns:a16="http://schemas.microsoft.com/office/drawing/2014/main" id="{6D386DBC-60B0-67F7-2218-CB267B689AE7}"/>
               </a:ext>
             </a:extLst>
           </p:cNvPr>
-          <p:cNvSpPr>
-            <a:spLocks noGrp="1"/>
-          </p:cNvSpPr>
-          <p:nvPr>
-            <p:ph type="subTitle" idx="1"/>
-          </p:nvPr>
-        </p:nvSpPr>
-        <p:spPr>
-          <a:xfrm>
-            <a:off x="381118" y="4850070"/>
-            <a:ext cx="3437119" cy="221599"/>
-          </a:xfrm>
-        </p:spPr>
-        <p:txBody>
-          <a:bodyPr/>
+          <p:cNvSpPr txBox="1"/>
+          <p:nvPr/>
+        </p:nvSpPr>
+        <p:spPr>
+          <a:xfrm>
+            <a:off x="336217" y="4831423"/>
+            <a:ext cx="1691759" cy="400110"/>
+          </a:xfrm>
+          <a:prstGeom prst="rect">
+            <a:avLst/>
+          </a:prstGeom>
+          <a:noFill/>
+        </p:spPr>
+        <p:txBody>
+          <a:bodyPr wrap="square" rtlCol="0">
+            <a:spAutoFit/>
+          </a:bodyPr>
           <a:lstStyle/>
           <a:p>
             <a:r>
-              <a:rPr lang="en-US" dirty="0">
-                <a:latin typeface="Arrow Display" panose="020B0504020209020203" pitchFamily="34" charset="0"/>
-                <a:cs typeface="Arrow Display" panose="020B0504020209020203" pitchFamily="34" charset="0"/>
+              <a:rPr lang="es-MX" sz="2000" dirty="0">
+                <a:solidFill>
+                  <a:schemeClr val="bg1"/>
+                </a:solidFill>
+                <a:latin typeface="Arrow Display Medium" panose="020B0704020209020203" pitchFamily="34" charset="0"/>
+                <a:cs typeface="Arrow Display Medium" panose="020B0704020209020203" pitchFamily="34" charset="0"/>
               </a:rPr>
-              <a:t>Date</a:t>
+              <a:t>Supplier</a:t>
             </a:r>
-          </a:p>
-        </p:txBody>
-      </p:sp>
-      <p:sp>
-        <p:nvSpPr>
-          <p:cNvPr id="2" name="Title 1">
+            <a:endParaRPr lang="en-US" sz="1600" dirty="0">
+              <a:solidFill>
+                <a:schemeClr val="bg1"/>
+              </a:solidFill>
+              <a:latin typeface="Arrow Display Medium" panose="020B0704020209020203" pitchFamily="34" charset="0"/>
+              <a:cs typeface="Arrow Display Medium" panose="020B0704020209020203" pitchFamily="34" charset="0"/>
+            </a:endParaRPr>
+          </a:p>
+        </p:txBody>
+      </p:sp>
+      <p:sp>
+        <p:nvSpPr>
+          <p:cNvPr id="11" name="TextBox 10">
             <a:extLst>
               <a:ext uri="{FF2B5EF4-FFF2-40B4-BE49-F238E27FC236}">
-                <a16:creationId xmlns:a16="http://schemas.microsoft.com/office/drawing/2014/main" id="{A5D355B0-B72D-8142-9782-6094AEDD0F42}"/>
+                <a16:creationId xmlns:a16="http://schemas.microsoft.com/office/drawing/2014/main" id="{779D29F8-5924-B7C7-C181-64ADC4910DD7}"/>
               </a:ext>
             </a:extLst>
           </p:cNvPr>
-          <p:cNvSpPr>
-            <a:spLocks noGrp="1"/>
-          </p:cNvSpPr>
-          <p:nvPr>
-            <p:ph type="ctrTitle"/>
-          </p:nvPr>
-        </p:nvSpPr>
-        <p:spPr>
-          <a:xfrm>
-            <a:off x="381120" y="2691674"/>
-            <a:ext cx="7749626" cy="1115568"/>
-          </a:xfrm>
-        </p:spPr>
-        <p:txBody>
-          <a:bodyPr/>
+          <p:cNvSpPr txBox="1"/>
+          <p:nvPr/>
+        </p:nvSpPr>
+        <p:spPr>
+          <a:xfrm>
+            <a:off x="334749" y="3707678"/>
+            <a:ext cx="5761251" cy="400110"/>
+          </a:xfrm>
+          <a:prstGeom prst="rect">
+            <a:avLst/>
+          </a:prstGeom>
+          <a:noFill/>
+        </p:spPr>
+        <p:txBody>
+          <a:bodyPr wrap="square" rtlCol="0">
+            <a:spAutoFit/>
+          </a:bodyPr>
           <a:lstStyle/>
           <a:p>
             <a:r>
-              <a:rPr lang="en-US" dirty="0"/>
-              <a:t>Title</a:t>
+              <a:rPr lang="es-MX" sz="2000" dirty="0" err="1">
+                <a:latin typeface="Arrow Display Medium" panose="020B0704020209020203" pitchFamily="34" charset="0"/>
+                <a:cs typeface="Arrow Display Medium" panose="020B0704020209020203" pitchFamily="34" charset="0"/>
+              </a:rPr>
+              <a:t>PartNumber</a:t>
             </a:r>
-          </a:p>
-        </p:txBody>
-      </p:sp>
-      <p:sp>
-        <p:nvSpPr>
-          <p:cNvPr id="4" name="Text Placeholder 3">
+            <a:endParaRPr lang="en-US" sz="1600" dirty="0">
+              <a:latin typeface="Arrow Display Medium" panose="020B0704020209020203" pitchFamily="34" charset="0"/>
+              <a:cs typeface="Arrow Display Medium" panose="020B0704020209020203" pitchFamily="34" charset="0"/>
+            </a:endParaRPr>
+          </a:p>
+        </p:txBody>
+      </p:sp>
+      <p:sp>
+        <p:nvSpPr>
+          <p:cNvPr id="12" name="TextBox 11">
             <a:extLst>
               <a:ext uri="{FF2B5EF4-FFF2-40B4-BE49-F238E27FC236}">
-                <a16:creationId xmlns:a16="http://schemas.microsoft.com/office/drawing/2014/main" id="{2CFC229D-F444-C047-9FF7-D09C344A7861}"/>
+                <a16:creationId xmlns:a16="http://schemas.microsoft.com/office/drawing/2014/main" id="{733D227B-5738-35CB-0320-6087E4199E6B}"/>
               </a:ext>
             </a:extLst>
           </p:cNvPr>
-          <p:cNvSpPr>
-            <a:spLocks noGrp="1"/>
-          </p:cNvSpPr>
-          <p:nvPr>
-            <p:ph type="body" sz="quarter" idx="11"/>
-          </p:nvPr>
-        </p:nvSpPr>
-        <p:spPr>
-          <a:xfrm>
-            <a:off x="380999" y="3883230"/>
-            <a:ext cx="7749747" cy="387798"/>
-          </a:xfrm>
-        </p:spPr>
-        <p:txBody>
-          <a:bodyPr/>
+          <p:cNvSpPr txBox="1"/>
+          <p:nvPr/>
+        </p:nvSpPr>
+        <p:spPr>
+          <a:xfrm>
+            <a:off x="334748" y="2536853"/>
+            <a:ext cx="7614195" cy="923330"/>
+          </a:xfrm>
+          <a:prstGeom prst="rect">
+            <a:avLst/>
+          </a:prstGeom>
+          <a:noFill/>
+        </p:spPr>
+        <p:txBody>
+          <a:bodyPr wrap="square" rtlCol="0">
+            <a:spAutoFit/>
+          </a:bodyPr>
           <a:lstStyle/>
           <a:p>
             <a:r>
-              <a:rPr lang="en-US" dirty="0"/>
-              <a:t>PartNumber</a:t>
+              <a:rPr lang="es-MX" sz="5400" dirty="0" err="1">
+                <a:latin typeface="Arrow Display Medium" panose="020B0704020209020203" pitchFamily="34" charset="0"/>
+                <a:cs typeface="Arrow Display Medium" panose="020B0704020209020203" pitchFamily="34" charset="0"/>
+              </a:rPr>
+              <a:t>Title</a:t>
             </a:r>
+            <a:endParaRPr lang="en-US" sz="5400" dirty="0">
+              <a:latin typeface="Arrow Display Medium" panose="020B0704020209020203" pitchFamily="34" charset="0"/>
+              <a:cs typeface="Arrow Display Medium" panose="020B0704020209020203" pitchFamily="34" charset="0"/>
+            </a:endParaRPr>
           </a:p>
         </p:txBody>
       </p:sp>
@@ -8923,37 +9073,6 @@
       </p:grpSpPr>
       <p:sp>
         <p:nvSpPr>
-          <p:cNvPr id="3" name="Title 2">
-            <a:extLst>
-              <a:ext uri="{FF2B5EF4-FFF2-40B4-BE49-F238E27FC236}">
-                <a16:creationId xmlns:a16="http://schemas.microsoft.com/office/drawing/2014/main" id="{84F77A40-870F-544D-9413-A6B0ABDA448B}"/>
-              </a:ext>
-            </a:extLst>
-          </p:cNvPr>
-          <p:cNvSpPr>
-            <a:spLocks noGrp="1"/>
-          </p:cNvSpPr>
-          <p:nvPr>
-            <p:ph type="title"/>
-          </p:nvPr>
-        </p:nvSpPr>
-        <p:spPr/>
-        <p:txBody>
-          <a:bodyPr/>
-          <a:lstStyle/>
-          <a:p>
-            <a:r>
-              <a:rPr lang="en-US" dirty="0">
-                <a:latin typeface="Arrow Display Medium" panose="020B0704020209020203" pitchFamily="34" charset="0"/>
-                <a:cs typeface="Arrow Display Medium" panose="020B0704020209020203" pitchFamily="34" charset="0"/>
-              </a:rPr>
-              <a:t>Title</a:t>
-            </a:r>
-          </a:p>
-        </p:txBody>
-      </p:sp>
-      <p:sp>
-        <p:nvSpPr>
           <p:cNvPr id="4" name="Text Placeholder 3">
             <a:extLst>
               <a:ext uri="{FF2B5EF4-FFF2-40B4-BE49-F238E27FC236}">
@@ -9659,6 +9778,44 @@
             <a:r>
               <a:rPr lang="en-US" dirty="0"/>
               <a:t>MainFigureImage-2</a:t>
+            </a:r>
+          </a:p>
+        </p:txBody>
+      </p:sp>
+      <p:sp>
+        <p:nvSpPr>
+          <p:cNvPr id="11" name="TextBox 10">
+            <a:extLst>
+              <a:ext uri="{FF2B5EF4-FFF2-40B4-BE49-F238E27FC236}">
+                <a16:creationId xmlns:a16="http://schemas.microsoft.com/office/drawing/2014/main" id="{6A0EB799-5EB7-5A33-1A8C-D05166CEFABA}"/>
+              </a:ext>
+            </a:extLst>
+          </p:cNvPr>
+          <p:cNvSpPr txBox="1"/>
+          <p:nvPr/>
+        </p:nvSpPr>
+        <p:spPr>
+          <a:xfrm>
+            <a:off x="380998" y="72428"/>
+            <a:ext cx="8274996" cy="769441"/>
+          </a:xfrm>
+          <a:prstGeom prst="rect">
+            <a:avLst/>
+          </a:prstGeom>
+          <a:noFill/>
+        </p:spPr>
+        <p:txBody>
+          <a:bodyPr wrap="square" rtlCol="0">
+            <a:spAutoFit/>
+          </a:bodyPr>
+          <a:lstStyle/>
+          <a:p>
+            <a:r>
+              <a:rPr lang="en-US" sz="4400" dirty="0">
+                <a:latin typeface="Arrow Display Medium" panose="020B0704020209020203" pitchFamily="34" charset="0"/>
+                <a:cs typeface="Arrow Display Medium" panose="020B0704020209020203" pitchFamily="34" charset="0"/>
+              </a:rPr>
+              <a:t>Title</a:t>
             </a:r>
           </a:p>
         </p:txBody>
@@ -9905,43 +10062,6 @@
               <a:latin typeface="Arrow Display" panose="020B0504020209020203" pitchFamily="34" charset="0"/>
               <a:cs typeface="Arrow Display" panose="020B0504020209020203" pitchFamily="34" charset="0"/>
             </a:endParaRPr>
-          </a:p>
-        </p:txBody>
-      </p:sp>
-      <p:sp>
-        <p:nvSpPr>
-          <p:cNvPr id="3" name="Title 2">
-            <a:extLst>
-              <a:ext uri="{FF2B5EF4-FFF2-40B4-BE49-F238E27FC236}">
-                <a16:creationId xmlns:a16="http://schemas.microsoft.com/office/drawing/2014/main" id="{D73FA02B-00D6-A24B-960C-E28A5EACB83F}"/>
-              </a:ext>
-            </a:extLst>
-          </p:cNvPr>
-          <p:cNvSpPr>
-            <a:spLocks noGrp="1"/>
-          </p:cNvSpPr>
-          <p:nvPr>
-            <p:ph type="title"/>
-          </p:nvPr>
-        </p:nvSpPr>
-        <p:spPr>
-          <a:xfrm>
-            <a:off x="609480" y="273600"/>
-            <a:ext cx="10972440" cy="770040"/>
-          </a:xfrm>
-        </p:spPr>
-        <p:txBody>
-          <a:bodyPr/>
-          <a:lstStyle/>
-          <a:p>
-            <a:r>
-              <a:rPr lang="en-US" dirty="0">
-                <a:latin typeface="Arrow Display Medium" panose="020B0704020209020203" pitchFamily="34" charset="0"/>
-                <a:cs typeface="Arrow Display Medium" panose="020B0704020209020203" pitchFamily="34" charset="0"/>
-              </a:rPr>
-              <a:t>Title</a:t>
-            </a:r>
-            <a:endParaRPr lang="en-US" dirty="0"/>
           </a:p>
         </p:txBody>
       </p:sp>
@@ -10350,8 +10470,8 @@
         </p:nvSpPr>
         <p:spPr>
           <a:xfrm>
-            <a:off x="5174754" y="3571761"/>
-            <a:ext cx="5376362" cy="276999"/>
+            <a:off x="6975341" y="3390854"/>
+            <a:ext cx="1705880" cy="338554"/>
           </a:xfrm>
           <a:prstGeom prst="rect">
             <a:avLst/>
@@ -10366,7 +10486,7 @@
           <a:p>
             <a:pPr algn="ctr"/>
             <a:r>
-              <a:rPr lang="en-US" sz="1200" dirty="0">
+              <a:rPr lang="en-US" sz="1600" dirty="0">
                 <a:latin typeface="Arrow Display" panose="020B0504020209020203" pitchFamily="34" charset="0"/>
                 <a:cs typeface="Arrow Display" panose="020B0504020209020203" pitchFamily="34" charset="0"/>
               </a:rPr>
@@ -10469,6 +10589,83 @@
             <a:r>
               <a:rPr lang="en-US" dirty="0"/>
               <a:t>SubFigure1Image-1</a:t>
+            </a:r>
+          </a:p>
+        </p:txBody>
+      </p:sp>
+      <p:sp>
+        <p:nvSpPr>
+          <p:cNvPr id="17" name="TextBox 16">
+            <a:extLst>
+              <a:ext uri="{FF2B5EF4-FFF2-40B4-BE49-F238E27FC236}">
+                <a16:creationId xmlns:a16="http://schemas.microsoft.com/office/drawing/2014/main" id="{E315749C-F4D4-E16B-F97F-43492C2F8DBB}"/>
+              </a:ext>
+            </a:extLst>
+          </p:cNvPr>
+          <p:cNvSpPr txBox="1"/>
+          <p:nvPr/>
+        </p:nvSpPr>
+        <p:spPr>
+          <a:xfrm>
+            <a:off x="380998" y="72428"/>
+            <a:ext cx="8274996" cy="769441"/>
+          </a:xfrm>
+          <a:prstGeom prst="rect">
+            <a:avLst/>
+          </a:prstGeom>
+          <a:noFill/>
+        </p:spPr>
+        <p:txBody>
+          <a:bodyPr wrap="square" rtlCol="0">
+            <a:spAutoFit/>
+          </a:bodyPr>
+          <a:lstStyle/>
+          <a:p>
+            <a:r>
+              <a:rPr lang="en-US" sz="4400" dirty="0">
+                <a:latin typeface="Arrow Display Medium" panose="020B0704020209020203" pitchFamily="34" charset="0"/>
+                <a:cs typeface="Arrow Display Medium" panose="020B0704020209020203" pitchFamily="34" charset="0"/>
+              </a:rPr>
+              <a:t>Title</a:t>
+            </a:r>
+          </a:p>
+        </p:txBody>
+      </p:sp>
+      <p:sp>
+        <p:nvSpPr>
+          <p:cNvPr id="19" name="TextBox 18">
+            <a:extLst>
+              <a:ext uri="{FF2B5EF4-FFF2-40B4-BE49-F238E27FC236}">
+                <a16:creationId xmlns:a16="http://schemas.microsoft.com/office/drawing/2014/main" id="{BAA30B93-611E-8A7B-7F1A-9EE04B9679DE}"/>
+              </a:ext>
+            </a:extLst>
+          </p:cNvPr>
+          <p:cNvSpPr txBox="1"/>
+          <p:nvPr/>
+        </p:nvSpPr>
+        <p:spPr>
+          <a:xfrm>
+            <a:off x="6360865" y="2959316"/>
+            <a:ext cx="2934832" cy="338554"/>
+          </a:xfrm>
+          <a:prstGeom prst="rect">
+            <a:avLst/>
+          </a:prstGeom>
+          <a:noFill/>
+        </p:spPr>
+        <p:txBody>
+          <a:bodyPr wrap="square">
+            <a:spAutoFit/>
+          </a:bodyPr>
+          <a:lstStyle/>
+          <a:p>
+            <a:pPr algn="ctr"/>
+            <a:r>
+              <a:rPr lang="en-US" sz="1600" b="1" dirty="0">
+                <a:latin typeface="Arrow Display" panose="020B0504020209020203" pitchFamily="34" charset="0"/>
+                <a:cs typeface="Arrow Display" panose="020B0504020209020203" pitchFamily="34" charset="0"/>
+              </a:rPr>
+              <a:t>Links</a:t>
             </a:r>
           </a:p>
         </p:txBody>

--- a/Template-99.pptx
+++ b/Template-99.pptx
@@ -121,7 +121,7 @@
 <file path=ppt/revisionInfo.xml><?xml version="1.0" encoding="utf-8"?>
 <p1510:revInfo xmlns:a="http://schemas.openxmlformats.org/drawingml/2006/main" xmlns:r="http://schemas.openxmlformats.org/officeDocument/2006/relationships" xmlns:p1510="http://schemas.microsoft.com/office/powerpoint/2015/10/main">
   <p1510:revLst>
-    <p1510:client id="{13DDB7C6-AAA9-4FAF-B683-A3C4B3A97A57}" v="23" dt="2022-07-08T15:41:38.491"/>
+    <p1510:client id="{13DDB7C6-AAA9-4FAF-B683-A3C4B3A97A57}" v="24" dt="2022-07-26T13:37:03.671"/>
   </p1510:revLst>
 </p1510:revInfo>
 </file>
@@ -131,12 +131,12 @@
   <pc:docChgLst>
     <pc:chgData name="Daniel Armando Aguirre" userId="ca67ef6c-5839-4ec8-a988-1b3d44b82dea" providerId="ADAL" clId="{13DDB7C6-AAA9-4FAF-B683-A3C4B3A97A57}"/>
     <pc:docChg chg="undo custSel modSld">
-      <pc:chgData name="Daniel Armando Aguirre" userId="ca67ef6c-5839-4ec8-a988-1b3d44b82dea" providerId="ADAL" clId="{13DDB7C6-AAA9-4FAF-B683-A3C4B3A97A57}" dt="2022-07-08T19:11:16.879" v="434" actId="1076"/>
+      <pc:chgData name="Daniel Armando Aguirre" userId="ca67ef6c-5839-4ec8-a988-1b3d44b82dea" providerId="ADAL" clId="{13DDB7C6-AAA9-4FAF-B683-A3C4B3A97A57}" dt="2022-07-26T15:29:54.940" v="523" actId="1036"/>
       <pc:docMkLst>
         <pc:docMk/>
       </pc:docMkLst>
       <pc:sldChg chg="addSp delSp modSp mod">
-        <pc:chgData name="Daniel Armando Aguirre" userId="ca67ef6c-5839-4ec8-a988-1b3d44b82dea" providerId="ADAL" clId="{13DDB7C6-AAA9-4FAF-B683-A3C4B3A97A57}" dt="2022-07-08T15:45:37.477" v="427" actId="403"/>
+        <pc:chgData name="Daniel Armando Aguirre" userId="ca67ef6c-5839-4ec8-a988-1b3d44b82dea" providerId="ADAL" clId="{13DDB7C6-AAA9-4FAF-B683-A3C4B3A97A57}" dt="2022-07-26T13:55:06.659" v="444" actId="14100"/>
         <pc:sldMkLst>
           <pc:docMk/>
           <pc:sldMk cId="1505207417" sldId="1053"/>
@@ -198,7 +198,7 @@
           </ac:spMkLst>
         </pc:spChg>
         <pc:spChg chg="add del mod">
-          <ac:chgData name="Daniel Armando Aguirre" userId="ca67ef6c-5839-4ec8-a988-1b3d44b82dea" providerId="ADAL" clId="{13DDB7C6-AAA9-4FAF-B683-A3C4B3A97A57}" dt="2022-07-08T15:45:35.483" v="426" actId="403"/>
+          <ac:chgData name="Daniel Armando Aguirre" userId="ca67ef6c-5839-4ec8-a988-1b3d44b82dea" providerId="ADAL" clId="{13DDB7C6-AAA9-4FAF-B683-A3C4B3A97A57}" dt="2022-07-26T13:55:06.659" v="444" actId="14100"/>
           <ac:spMkLst>
             <pc:docMk/>
             <pc:sldMk cId="1505207417" sldId="1053"/>
@@ -206,7 +206,7 @@
           </ac:spMkLst>
         </pc:spChg>
         <pc:spChg chg="add mod">
-          <ac:chgData name="Daniel Armando Aguirre" userId="ca67ef6c-5839-4ec8-a988-1b3d44b82dea" providerId="ADAL" clId="{13DDB7C6-AAA9-4FAF-B683-A3C4B3A97A57}" dt="2022-07-08T15:45:37.477" v="427" actId="403"/>
+          <ac:chgData name="Daniel Armando Aguirre" userId="ca67ef6c-5839-4ec8-a988-1b3d44b82dea" providerId="ADAL" clId="{13DDB7C6-AAA9-4FAF-B683-A3C4B3A97A57}" dt="2022-07-26T13:53:24.183" v="442" actId="790"/>
           <ac:spMkLst>
             <pc:docMk/>
             <pc:sldMk cId="1505207417" sldId="1053"/>
@@ -214,7 +214,7 @@
           </ac:spMkLst>
         </pc:spChg>
         <pc:spChg chg="add mod">
-          <ac:chgData name="Daniel Armando Aguirre" userId="ca67ef6c-5839-4ec8-a988-1b3d44b82dea" providerId="ADAL" clId="{13DDB7C6-AAA9-4FAF-B683-A3C4B3A97A57}" dt="2022-07-08T15:41:56.220" v="423" actId="14100"/>
+          <ac:chgData name="Daniel Armando Aguirre" userId="ca67ef6c-5839-4ec8-a988-1b3d44b82dea" providerId="ADAL" clId="{13DDB7C6-AAA9-4FAF-B683-A3C4B3A97A57}" dt="2022-07-26T13:53:19.762" v="441" actId="790"/>
           <ac:spMkLst>
             <pc:docMk/>
             <pc:sldMk cId="1505207417" sldId="1053"/>
@@ -231,7 +231,7 @@
         </pc:spChg>
       </pc:sldChg>
       <pc:sldChg chg="addSp delSp modSp mod">
-        <pc:chgData name="Daniel Armando Aguirre" userId="ca67ef6c-5839-4ec8-a988-1b3d44b82dea" providerId="ADAL" clId="{13DDB7C6-AAA9-4FAF-B683-A3C4B3A97A57}" dt="2022-06-27T19:54:55.936" v="308" actId="113"/>
+        <pc:chgData name="Daniel Armando Aguirre" userId="ca67ef6c-5839-4ec8-a988-1b3d44b82dea" providerId="ADAL" clId="{13DDB7C6-AAA9-4FAF-B683-A3C4B3A97A57}" dt="2022-07-26T15:29:34.447" v="474" actId="14100"/>
         <pc:sldMkLst>
           <pc:docMk/>
           <pc:sldMk cId="2730580130" sldId="1133"/>
@@ -284,6 +284,14 @@
             <ac:spMk id="11" creationId="{6A0EB799-5EB7-5A33-1A8C-D05166CEFABA}"/>
           </ac:spMkLst>
         </pc:spChg>
+        <pc:spChg chg="mod">
+          <ac:chgData name="Daniel Armando Aguirre" userId="ca67ef6c-5839-4ec8-a988-1b3d44b82dea" providerId="ADAL" clId="{13DDB7C6-AAA9-4FAF-B683-A3C4B3A97A57}" dt="2022-07-26T15:29:12.903" v="467" actId="14100"/>
+          <ac:spMkLst>
+            <pc:docMk/>
+            <pc:sldMk cId="2730580130" sldId="1133"/>
+            <ac:spMk id="14" creationId="{C88144AE-6951-5E71-2931-78A5A44939EC}"/>
+          </ac:spMkLst>
+        </pc:spChg>
         <pc:spChg chg="del mod">
           <ac:chgData name="Daniel Armando Aguirre" userId="ca67ef6c-5839-4ec8-a988-1b3d44b82dea" providerId="ADAL" clId="{13DDB7C6-AAA9-4FAF-B683-A3C4B3A97A57}" dt="2022-06-14T17:24:33.635" v="255" actId="478"/>
           <ac:spMkLst>
@@ -293,7 +301,7 @@
           </ac:spMkLst>
         </pc:spChg>
         <pc:spChg chg="add mod">
-          <ac:chgData name="Daniel Armando Aguirre" userId="ca67ef6c-5839-4ec8-a988-1b3d44b82dea" providerId="ADAL" clId="{13DDB7C6-AAA9-4FAF-B683-A3C4B3A97A57}" dt="2022-06-14T17:24:33.951" v="256"/>
+          <ac:chgData name="Daniel Armando Aguirre" userId="ca67ef6c-5839-4ec8-a988-1b3d44b82dea" providerId="ADAL" clId="{13DDB7C6-AAA9-4FAF-B683-A3C4B3A97A57}" dt="2022-07-26T15:29:26.007" v="471" actId="1076"/>
           <ac:spMkLst>
             <pc:docMk/>
             <pc:sldMk cId="2730580130" sldId="1133"/>
@@ -301,7 +309,7 @@
           </ac:spMkLst>
         </pc:spChg>
         <pc:spChg chg="add mod">
-          <ac:chgData name="Daniel Armando Aguirre" userId="ca67ef6c-5839-4ec8-a988-1b3d44b82dea" providerId="ADAL" clId="{13DDB7C6-AAA9-4FAF-B683-A3C4B3A97A57}" dt="2022-06-14T17:24:33.951" v="256"/>
+          <ac:chgData name="Daniel Armando Aguirre" userId="ca67ef6c-5839-4ec8-a988-1b3d44b82dea" providerId="ADAL" clId="{13DDB7C6-AAA9-4FAF-B683-A3C4B3A97A57}" dt="2022-07-26T15:29:34.447" v="474" actId="14100"/>
           <ac:spMkLst>
             <pc:docMk/>
             <pc:sldMk cId="2730580130" sldId="1133"/>
@@ -310,11 +318,19 @@
         </pc:spChg>
       </pc:sldChg>
       <pc:sldChg chg="addSp delSp modSp mod">
-        <pc:chgData name="Daniel Armando Aguirre" userId="ca67ef6c-5839-4ec8-a988-1b3d44b82dea" providerId="ADAL" clId="{13DDB7C6-AAA9-4FAF-B683-A3C4B3A97A57}" dt="2022-07-08T19:11:16.879" v="434" actId="1076"/>
+        <pc:chgData name="Daniel Armando Aguirre" userId="ca67ef6c-5839-4ec8-a988-1b3d44b82dea" providerId="ADAL" clId="{13DDB7C6-AAA9-4FAF-B683-A3C4B3A97A57}" dt="2022-07-26T15:29:54.940" v="523" actId="1036"/>
         <pc:sldMkLst>
           <pc:docMk/>
           <pc:sldMk cId="835137258" sldId="1138"/>
         </pc:sldMkLst>
+        <pc:spChg chg="mod">
+          <ac:chgData name="Daniel Armando Aguirre" userId="ca67ef6c-5839-4ec8-a988-1b3d44b82dea" providerId="ADAL" clId="{13DDB7C6-AAA9-4FAF-B683-A3C4B3A97A57}" dt="2022-07-26T15:26:14.929" v="448" actId="14100"/>
+          <ac:spMkLst>
+            <pc:docMk/>
+            <pc:sldMk cId="835137258" sldId="1138"/>
+            <ac:spMk id="2" creationId="{B1EB1944-E24E-A5E1-E873-51682CA149BF}"/>
+          </ac:spMkLst>
+        </pc:spChg>
         <pc:spChg chg="del mod">
           <ac:chgData name="Daniel Armando Aguirre" userId="ca67ef6c-5839-4ec8-a988-1b3d44b82dea" providerId="ADAL" clId="{13DDB7C6-AAA9-4FAF-B683-A3C4B3A97A57}" dt="2022-06-27T19:54:18.043" v="291" actId="478"/>
           <ac:spMkLst>
@@ -348,7 +364,7 @@
           </ac:spMkLst>
         </pc:spChg>
         <pc:spChg chg="add mod">
-          <ac:chgData name="Daniel Armando Aguirre" userId="ca67ef6c-5839-4ec8-a988-1b3d44b82dea" providerId="ADAL" clId="{13DDB7C6-AAA9-4FAF-B683-A3C4B3A97A57}" dt="2022-06-14T15:30:45.047" v="236" actId="20577"/>
+          <ac:chgData name="Daniel Armando Aguirre" userId="ca67ef6c-5839-4ec8-a988-1b3d44b82dea" providerId="ADAL" clId="{13DDB7C6-AAA9-4FAF-B683-A3C4B3A97A57}" dt="2022-07-26T15:29:50.643" v="513" actId="1036"/>
           <ac:spMkLst>
             <pc:docMk/>
             <pc:sldMk cId="835137258" sldId="1138"/>
@@ -356,7 +372,7 @@
           </ac:spMkLst>
         </pc:spChg>
         <pc:spChg chg="mod">
-          <ac:chgData name="Daniel Armando Aguirre" userId="ca67ef6c-5839-4ec8-a988-1b3d44b82dea" providerId="ADAL" clId="{13DDB7C6-AAA9-4FAF-B683-A3C4B3A97A57}" dt="2022-07-08T19:11:16.879" v="434" actId="1076"/>
+          <ac:chgData name="Daniel Armando Aguirre" userId="ca67ef6c-5839-4ec8-a988-1b3d44b82dea" providerId="ADAL" clId="{13DDB7C6-AAA9-4FAF-B683-A3C4B3A97A57}" dt="2022-07-26T15:29:54.940" v="523" actId="1036"/>
           <ac:spMkLst>
             <pc:docMk/>
             <pc:sldMk cId="835137258" sldId="1138"/>
@@ -388,7 +404,7 @@
           </ac:spMkLst>
         </pc:spChg>
         <pc:spChg chg="add mod">
-          <ac:chgData name="Daniel Armando Aguirre" userId="ca67ef6c-5839-4ec8-a988-1b3d44b82dea" providerId="ADAL" clId="{13DDB7C6-AAA9-4FAF-B683-A3C4B3A97A57}" dt="2022-06-14T17:27:35.438" v="272" actId="20577"/>
+          <ac:chgData name="Daniel Armando Aguirre" userId="ca67ef6c-5839-4ec8-a988-1b3d44b82dea" providerId="ADAL" clId="{13DDB7C6-AAA9-4FAF-B683-A3C4B3A97A57}" dt="2022-07-26T15:29:45.111" v="494" actId="1036"/>
           <ac:spMkLst>
             <pc:docMk/>
             <pc:sldMk cId="835137258" sldId="1138"/>
@@ -412,11 +428,43 @@
           </ac:spMkLst>
         </pc:spChg>
         <pc:spChg chg="add mod">
-          <ac:chgData name="Daniel Armando Aguirre" userId="ca67ef6c-5839-4ec8-a988-1b3d44b82dea" providerId="ADAL" clId="{13DDB7C6-AAA9-4FAF-B683-A3C4B3A97A57}" dt="2022-07-08T19:11:14.023" v="433" actId="1076"/>
+          <ac:chgData name="Daniel Armando Aguirre" userId="ca67ef6c-5839-4ec8-a988-1b3d44b82dea" providerId="ADAL" clId="{13DDB7C6-AAA9-4FAF-B683-A3C4B3A97A57}" dt="2022-07-26T15:29:54.940" v="523" actId="1036"/>
           <ac:spMkLst>
             <pc:docMk/>
             <pc:sldMk cId="835137258" sldId="1138"/>
             <ac:spMk id="19" creationId="{BAA30B93-611E-8A7B-7F1A-9EE04B9679DE}"/>
+          </ac:spMkLst>
+        </pc:spChg>
+        <pc:spChg chg="add mod">
+          <ac:chgData name="Daniel Armando Aguirre" userId="ca67ef6c-5839-4ec8-a988-1b3d44b82dea" providerId="ADAL" clId="{13DDB7C6-AAA9-4FAF-B683-A3C4B3A97A57}" dt="2022-07-26T15:29:54.940" v="523" actId="1036"/>
+          <ac:spMkLst>
+            <pc:docMk/>
+            <pc:sldMk cId="835137258" sldId="1138"/>
+            <ac:spMk id="20" creationId="{6B962C35-3466-7E00-F561-71B3CAD14BFA}"/>
+          </ac:spMkLst>
+        </pc:spChg>
+        <pc:spChg chg="mod">
+          <ac:chgData name="Daniel Armando Aguirre" userId="ca67ef6c-5839-4ec8-a988-1b3d44b82dea" providerId="ADAL" clId="{13DDB7C6-AAA9-4FAF-B683-A3C4B3A97A57}" dt="2022-07-26T15:26:17.232" v="449" actId="14100"/>
+          <ac:spMkLst>
+            <pc:docMk/>
+            <pc:sldMk cId="835137258" sldId="1138"/>
+            <ac:spMk id="22" creationId="{CED31E54-6D27-16B5-441A-758731C9D7F1}"/>
+          </ac:spMkLst>
+        </pc:spChg>
+        <pc:spChg chg="mod">
+          <ac:chgData name="Daniel Armando Aguirre" userId="ca67ef6c-5839-4ec8-a988-1b3d44b82dea" providerId="ADAL" clId="{13DDB7C6-AAA9-4FAF-B683-A3C4B3A97A57}" dt="2022-07-26T15:26:19.363" v="450" actId="14100"/>
+          <ac:spMkLst>
+            <pc:docMk/>
+            <pc:sldMk cId="835137258" sldId="1138"/>
+            <ac:spMk id="23" creationId="{CF6FF411-1263-ACAE-88B1-C625E2320A9C}"/>
+          </ac:spMkLst>
+        </pc:spChg>
+        <pc:spChg chg="mod">
+          <ac:chgData name="Daniel Armando Aguirre" userId="ca67ef6c-5839-4ec8-a988-1b3d44b82dea" providerId="ADAL" clId="{13DDB7C6-AAA9-4FAF-B683-A3C4B3A97A57}" dt="2022-07-26T15:26:22.827" v="451" actId="14100"/>
+          <ac:spMkLst>
+            <pc:docMk/>
+            <pc:sldMk cId="835137258" sldId="1138"/>
+            <ac:spMk id="24" creationId="{BD165928-38B6-2452-AD52-AB532E3D7539}"/>
           </ac:spMkLst>
         </pc:spChg>
       </pc:sldChg>
@@ -982,7 +1030,7 @@
           <a:p>
             <a:fld id="{4D107985-61CA-4B35-9A28-FA0FC338C542}" type="datetimeFigureOut">
               <a:rPr lang="en-US" smtClean="0"/>
-              <a:t>7/8/2022</a:t>
+              <a:t>7/26/2022</a:t>
             </a:fld>
             <a:endParaRPr lang="en-US" dirty="0"/>
           </a:p>
@@ -8924,7 +8972,7 @@
         <p:spPr>
           <a:xfrm>
             <a:off x="336217" y="4831423"/>
-            <a:ext cx="1691759" cy="400110"/>
+            <a:ext cx="2913977" cy="400110"/>
           </a:xfrm>
           <a:prstGeom prst="rect">
             <a:avLst/>
@@ -8938,7 +8986,7 @@
           <a:lstStyle/>
           <a:p>
             <a:r>
-              <a:rPr lang="es-MX" sz="2000" dirty="0">
+              <a:rPr lang="en-US" sz="2000" noProof="1">
                 <a:solidFill>
                   <a:schemeClr val="bg1"/>
                 </a:solidFill>
@@ -8947,7 +8995,7 @@
               </a:rPr>
               <a:t>Supplier</a:t>
             </a:r>
-            <a:endParaRPr lang="en-US" sz="1600" dirty="0">
+            <a:endParaRPr lang="en-US" sz="1600" noProof="1">
               <a:solidFill>
                 <a:schemeClr val="bg1"/>
               </a:solidFill>
@@ -8986,13 +9034,13 @@
           <a:lstStyle/>
           <a:p>
             <a:r>
-              <a:rPr lang="es-MX" sz="2000" dirty="0" err="1">
+              <a:rPr lang="en-US" sz="2000" noProof="1">
                 <a:latin typeface="Arrow Display Medium" panose="020B0704020209020203" pitchFamily="34" charset="0"/>
                 <a:cs typeface="Arrow Display Medium" panose="020B0704020209020203" pitchFamily="34" charset="0"/>
               </a:rPr>
               <a:t>PartNumber</a:t>
             </a:r>
-            <a:endParaRPr lang="en-US" sz="1600" dirty="0">
+            <a:endParaRPr lang="en-US" sz="1600" noProof="1">
               <a:latin typeface="Arrow Display Medium" panose="020B0704020209020203" pitchFamily="34" charset="0"/>
               <a:cs typeface="Arrow Display Medium" panose="020B0704020209020203" pitchFamily="34" charset="0"/>
             </a:endParaRPr>
@@ -9028,16 +9076,12 @@
           <a:lstStyle/>
           <a:p>
             <a:r>
-              <a:rPr lang="es-MX" sz="5400" dirty="0" err="1">
+              <a:rPr lang="en-US" sz="5400" noProof="1">
                 <a:latin typeface="Arrow Display Medium" panose="020B0704020209020203" pitchFamily="34" charset="0"/>
                 <a:cs typeface="Arrow Display Medium" panose="020B0704020209020203" pitchFamily="34" charset="0"/>
               </a:rPr>
               <a:t>Title</a:t>
             </a:r>
-            <a:endParaRPr lang="en-US" sz="5400" dirty="0">
-              <a:latin typeface="Arrow Display Medium" panose="020B0704020209020203" pitchFamily="34" charset="0"/>
-              <a:cs typeface="Arrow Display Medium" panose="020B0704020209020203" pitchFamily="34" charset="0"/>
-            </a:endParaRPr>
           </a:p>
         </p:txBody>
       </p:sp>
@@ -9572,8 +9616,8 @@
         </p:nvSpPr>
         <p:spPr>
           <a:xfrm>
-            <a:off x="4238625" y="4815932"/>
-            <a:ext cx="4417369" cy="1661993"/>
+            <a:off x="3500581" y="4815932"/>
+            <a:ext cx="5155413" cy="1661993"/>
           </a:xfrm>
           <a:prstGeom prst="rect">
             <a:avLst/>
@@ -9698,7 +9742,7 @@
         </p:nvSpPr>
         <p:spPr>
           <a:xfrm>
-            <a:off x="631910" y="2025549"/>
+            <a:off x="318934" y="1972527"/>
             <a:ext cx="2777900" cy="4023360"/>
           </a:xfrm>
           <a:prstGeom prst="rect">
@@ -9747,8 +9791,8 @@
         </p:nvSpPr>
         <p:spPr>
           <a:xfrm>
-            <a:off x="631910" y="4115313"/>
-            <a:ext cx="3384512" cy="2100367"/>
+            <a:off x="110836" y="4180742"/>
+            <a:ext cx="3319649" cy="2100367"/>
           </a:xfrm>
           <a:prstGeom prst="rect">
             <a:avLst/>
@@ -9865,7 +9909,7 @@
         <p:spPr>
           <a:xfrm>
             <a:off x="4677117" y="1439910"/>
-            <a:ext cx="1371600" cy="1371600"/>
+            <a:ext cx="1533560" cy="1533560"/>
           </a:xfrm>
           <a:prstGeom prst="rect">
             <a:avLst/>
@@ -10270,8 +10314,8 @@
         </p:nvSpPr>
         <p:spPr>
           <a:xfrm>
-            <a:off x="6320693" y="1418400"/>
-            <a:ext cx="1371600" cy="1371600"/>
+            <a:off x="6320692" y="1418399"/>
+            <a:ext cx="1533559" cy="1533559"/>
           </a:xfrm>
           <a:prstGeom prst="rect">
             <a:avLst/>
@@ -10320,7 +10364,7 @@
         <p:spPr>
           <a:xfrm>
             <a:off x="7964269" y="1396890"/>
-            <a:ext cx="1371600" cy="1371600"/>
+            <a:ext cx="1533558" cy="1533558"/>
           </a:xfrm>
           <a:prstGeom prst="rect">
             <a:avLst/>
@@ -10369,7 +10413,7 @@
         <p:spPr>
           <a:xfrm>
             <a:off x="9607845" y="1375380"/>
-            <a:ext cx="1371600" cy="1371600"/>
+            <a:ext cx="1555068" cy="1555068"/>
           </a:xfrm>
           <a:prstGeom prst="rect">
             <a:avLst/>
@@ -10470,7 +10514,7 @@
         </p:nvSpPr>
         <p:spPr>
           <a:xfrm>
-            <a:off x="6975341" y="3390854"/>
+            <a:off x="5467753" y="3814682"/>
             <a:ext cx="1705880" cy="338554"/>
           </a:xfrm>
           <a:prstGeom prst="rect">
@@ -10509,7 +10553,7 @@
         </p:nvSpPr>
         <p:spPr>
           <a:xfrm>
-            <a:off x="4677117" y="3987740"/>
+            <a:off x="4766064" y="4663235"/>
             <a:ext cx="6302328" cy="1772537"/>
           </a:xfrm>
           <a:prstGeom prst="rect">
@@ -10558,8 +10602,8 @@
         </p:nvSpPr>
         <p:spPr>
           <a:xfrm>
-            <a:off x="631910" y="4115313"/>
-            <a:ext cx="3384512" cy="2100367"/>
+            <a:off x="380998" y="4236568"/>
+            <a:ext cx="4227216" cy="2219226"/>
           </a:xfrm>
           <a:prstGeom prst="rect">
             <a:avLst/>
@@ -10645,7 +10689,7 @@
         </p:nvSpPr>
         <p:spPr>
           <a:xfrm>
-            <a:off x="6360865" y="2959316"/>
+            <a:off x="6360865" y="3421037"/>
             <a:ext cx="2934832" cy="338554"/>
           </a:xfrm>
           <a:prstGeom prst="rect">
@@ -10666,6 +10710,45 @@
                 <a:cs typeface="Arrow Display" panose="020B0504020209020203" pitchFamily="34" charset="0"/>
               </a:rPr>
               <a:t>Links</a:t>
+            </a:r>
+          </a:p>
+        </p:txBody>
+      </p:sp>
+      <p:sp>
+        <p:nvSpPr>
+          <p:cNvPr id="20" name="TextBox 19">
+            <a:extLst>
+              <a:ext uri="{FF2B5EF4-FFF2-40B4-BE49-F238E27FC236}">
+                <a16:creationId xmlns:a16="http://schemas.microsoft.com/office/drawing/2014/main" id="{6B962C35-3466-7E00-F561-71B3CAD14BFA}"/>
+              </a:ext>
+            </a:extLst>
+          </p:cNvPr>
+          <p:cNvSpPr txBox="1"/>
+          <p:nvPr/>
+        </p:nvSpPr>
+        <p:spPr>
+          <a:xfrm>
+            <a:off x="8482929" y="3812464"/>
+            <a:ext cx="1705880" cy="338554"/>
+          </a:xfrm>
+          <a:prstGeom prst="rect">
+            <a:avLst/>
+          </a:prstGeom>
+          <a:noFill/>
+        </p:spPr>
+        <p:txBody>
+          <a:bodyPr wrap="square">
+            <a:spAutoFit/>
+          </a:bodyPr>
+          <a:lstStyle/>
+          <a:p>
+            <a:pPr algn="ctr"/>
+            <a:r>
+              <a:rPr lang="en-US" sz="1600" dirty="0">
+                <a:latin typeface="Arrow Display" panose="020B0504020209020203" pitchFamily="34" charset="0"/>
+                <a:cs typeface="Arrow Display" panose="020B0504020209020203" pitchFamily="34" charset="0"/>
+              </a:rPr>
+              <a:t>PageLink2</a:t>
             </a:r>
           </a:p>
         </p:txBody>
